--- a/lectures/activity11.pptx
+++ b/lectures/activity11.pptx
@@ -108,6 +108,11 @@
       </a:defRPr>
     </a:lvl9pPr>
   </p:defaultTextStyle>
+  <p:extLst>
+    <p:ext uri="{EFAFB233-063F-42B5-8137-9DF3F51BA10A}">
+      <p15:sldGuideLst xmlns:p15="http://schemas.microsoft.com/office/powerpoint/2012/main"/>
+    </p:ext>
+  </p:extLst>
 </p:presentation>
 </file>
 
@@ -258,7 +263,7 @@
           <a:p>
             <a:fld id="{2953CABB-9A8F-A748-8809-62EDE04BA05F}" type="datetimeFigureOut">
               <a:rPr lang="en-US" smtClean="0"/>
-              <a:t>11/9/21</a:t>
+              <a:t>11/10/21</a:t>
             </a:fld>
             <a:endParaRPr lang="en-US"/>
           </a:p>
@@ -456,7 +461,7 @@
           <a:p>
             <a:fld id="{2953CABB-9A8F-A748-8809-62EDE04BA05F}" type="datetimeFigureOut">
               <a:rPr lang="en-US" smtClean="0"/>
-              <a:t>11/9/21</a:t>
+              <a:t>11/10/21</a:t>
             </a:fld>
             <a:endParaRPr lang="en-US"/>
           </a:p>
@@ -664,7 +669,7 @@
           <a:p>
             <a:fld id="{2953CABB-9A8F-A748-8809-62EDE04BA05F}" type="datetimeFigureOut">
               <a:rPr lang="en-US" smtClean="0"/>
-              <a:t>11/9/21</a:t>
+              <a:t>11/10/21</a:t>
             </a:fld>
             <a:endParaRPr lang="en-US"/>
           </a:p>
@@ -862,7 +867,7 @@
           <a:p>
             <a:fld id="{2953CABB-9A8F-A748-8809-62EDE04BA05F}" type="datetimeFigureOut">
               <a:rPr lang="en-US" smtClean="0"/>
-              <a:t>11/9/21</a:t>
+              <a:t>11/10/21</a:t>
             </a:fld>
             <a:endParaRPr lang="en-US"/>
           </a:p>
@@ -1137,7 +1142,7 @@
           <a:p>
             <a:fld id="{2953CABB-9A8F-A748-8809-62EDE04BA05F}" type="datetimeFigureOut">
               <a:rPr lang="en-US" smtClean="0"/>
-              <a:t>11/9/21</a:t>
+              <a:t>11/10/21</a:t>
             </a:fld>
             <a:endParaRPr lang="en-US"/>
           </a:p>
@@ -1402,7 +1407,7 @@
           <a:p>
             <a:fld id="{2953CABB-9A8F-A748-8809-62EDE04BA05F}" type="datetimeFigureOut">
               <a:rPr lang="en-US" smtClean="0"/>
-              <a:t>11/9/21</a:t>
+              <a:t>11/10/21</a:t>
             </a:fld>
             <a:endParaRPr lang="en-US"/>
           </a:p>
@@ -1814,7 +1819,7 @@
           <a:p>
             <a:fld id="{2953CABB-9A8F-A748-8809-62EDE04BA05F}" type="datetimeFigureOut">
               <a:rPr lang="en-US" smtClean="0"/>
-              <a:t>11/9/21</a:t>
+              <a:t>11/10/21</a:t>
             </a:fld>
             <a:endParaRPr lang="en-US"/>
           </a:p>
@@ -1955,7 +1960,7 @@
           <a:p>
             <a:fld id="{2953CABB-9A8F-A748-8809-62EDE04BA05F}" type="datetimeFigureOut">
               <a:rPr lang="en-US" smtClean="0"/>
-              <a:t>11/9/21</a:t>
+              <a:t>11/10/21</a:t>
             </a:fld>
             <a:endParaRPr lang="en-US"/>
           </a:p>
@@ -2068,7 +2073,7 @@
           <a:p>
             <a:fld id="{2953CABB-9A8F-A748-8809-62EDE04BA05F}" type="datetimeFigureOut">
               <a:rPr lang="en-US" smtClean="0"/>
-              <a:t>11/9/21</a:t>
+              <a:t>11/10/21</a:t>
             </a:fld>
             <a:endParaRPr lang="en-US"/>
           </a:p>
@@ -2379,7 +2384,7 @@
           <a:p>
             <a:fld id="{2953CABB-9A8F-A748-8809-62EDE04BA05F}" type="datetimeFigureOut">
               <a:rPr lang="en-US" smtClean="0"/>
-              <a:t>11/9/21</a:t>
+              <a:t>11/10/21</a:t>
             </a:fld>
             <a:endParaRPr lang="en-US"/>
           </a:p>
@@ -2667,7 +2672,7 @@
           <a:p>
             <a:fld id="{2953CABB-9A8F-A748-8809-62EDE04BA05F}" type="datetimeFigureOut">
               <a:rPr lang="en-US" smtClean="0"/>
-              <a:t>11/9/21</a:t>
+              <a:t>11/10/21</a:t>
             </a:fld>
             <a:endParaRPr lang="en-US"/>
           </a:p>
@@ -2908,7 +2913,7 @@
           <a:p>
             <a:fld id="{2953CABB-9A8F-A748-8809-62EDE04BA05F}" type="datetimeFigureOut">
               <a:rPr lang="en-US" smtClean="0"/>
-              <a:t>11/9/21</a:t>
+              <a:t>11/10/21</a:t>
             </a:fld>
             <a:endParaRPr lang="en-US"/>
           </a:p>
@@ -3935,8 +3940,8 @@
           </a:fontRef>
         </p:style>
       </p:cxnSp>
-      <mc:AlternateContent xmlns:mc="http://schemas.openxmlformats.org/markup-compatibility/2006">
-        <mc:Choice xmlns:a14="http://schemas.microsoft.com/office/drawing/2010/main" Requires="a14">
+      <mc:AlternateContent xmlns:mc="http://schemas.openxmlformats.org/markup-compatibility/2006" xmlns:a14="http://schemas.microsoft.com/office/drawing/2010/main">
+        <mc:Choice Requires="a14">
           <p:sp>
             <p:nvSpPr>
               <p:cNvPr id="27" name="TextBox 26">
@@ -3965,6 +3970,7 @@
               </a:bodyPr>
               <a:lstStyle/>
               <a:p>
+                <a:pPr/>
                 <a14:m>
                   <m:oMathPara xmlns:m="http://schemas.openxmlformats.org/officeDocument/2006/math">
                     <m:oMathParaPr>
@@ -4004,7 +4010,7 @@
             </p:txBody>
           </p:sp>
         </mc:Choice>
-        <mc:Fallback>
+        <mc:Fallback xmlns="">
           <p:sp>
             <p:nvSpPr>
               <p:cNvPr id="27" name="TextBox 26">
@@ -4049,8 +4055,8 @@
           </p:sp>
         </mc:Fallback>
       </mc:AlternateContent>
-      <mc:AlternateContent xmlns:mc="http://schemas.openxmlformats.org/markup-compatibility/2006">
-        <mc:Choice xmlns:a14="http://schemas.microsoft.com/office/drawing/2010/main" Requires="a14">
+      <mc:AlternateContent xmlns:mc="http://schemas.openxmlformats.org/markup-compatibility/2006" xmlns:a14="http://schemas.microsoft.com/office/drawing/2010/main">
+        <mc:Choice Requires="a14">
           <p:sp>
             <p:nvSpPr>
               <p:cNvPr id="28" name="TextBox 27">
@@ -4079,6 +4085,7 @@
               </a:bodyPr>
               <a:lstStyle/>
               <a:p>
+                <a:pPr/>
                 <a14:m>
                   <m:oMathPara xmlns:m="http://schemas.openxmlformats.org/officeDocument/2006/math">
                     <m:oMathParaPr>
@@ -4118,7 +4125,7 @@
             </p:txBody>
           </p:sp>
         </mc:Choice>
-        <mc:Fallback>
+        <mc:Fallback xmlns="">
           <p:sp>
             <p:nvSpPr>
               <p:cNvPr id="28" name="TextBox 27">
@@ -4163,8 +4170,8 @@
           </p:sp>
         </mc:Fallback>
       </mc:AlternateContent>
-      <mc:AlternateContent xmlns:mc="http://schemas.openxmlformats.org/markup-compatibility/2006">
-        <mc:Choice xmlns:a14="http://schemas.microsoft.com/office/drawing/2010/main" Requires="a14">
+      <mc:AlternateContent xmlns:mc="http://schemas.openxmlformats.org/markup-compatibility/2006" xmlns:a14="http://schemas.microsoft.com/office/drawing/2010/main">
+        <mc:Choice Requires="a14">
           <p:sp>
             <p:nvSpPr>
               <p:cNvPr id="29" name="TextBox 28">
@@ -4193,6 +4200,7 @@
               </a:bodyPr>
               <a:lstStyle/>
               <a:p>
+                <a:pPr/>
                 <a14:m>
                   <m:oMathPara xmlns:m="http://schemas.openxmlformats.org/officeDocument/2006/math">
                     <m:oMathParaPr>
@@ -4232,7 +4240,7 @@
             </p:txBody>
           </p:sp>
         </mc:Choice>
-        <mc:Fallback>
+        <mc:Fallback xmlns="">
           <p:sp>
             <p:nvSpPr>
               <p:cNvPr id="29" name="TextBox 28">
@@ -4277,8 +4285,8 @@
           </p:sp>
         </mc:Fallback>
       </mc:AlternateContent>
-      <mc:AlternateContent xmlns:mc="http://schemas.openxmlformats.org/markup-compatibility/2006">
-        <mc:Choice xmlns:a14="http://schemas.microsoft.com/office/drawing/2010/main" Requires="a14">
+      <mc:AlternateContent xmlns:mc="http://schemas.openxmlformats.org/markup-compatibility/2006" xmlns:a14="http://schemas.microsoft.com/office/drawing/2010/main">
+        <mc:Choice Requires="a14">
           <p:sp>
             <p:nvSpPr>
               <p:cNvPr id="30" name="TextBox 29">
@@ -4307,6 +4315,7 @@
               </a:bodyPr>
               <a:lstStyle/>
               <a:p>
+                <a:pPr/>
                 <a14:m>
                   <m:oMathPara xmlns:m="http://schemas.openxmlformats.org/officeDocument/2006/math">
                     <m:oMathParaPr>
@@ -4346,7 +4355,7 @@
             </p:txBody>
           </p:sp>
         </mc:Choice>
-        <mc:Fallback>
+        <mc:Fallback xmlns="">
           <p:sp>
             <p:nvSpPr>
               <p:cNvPr id="30" name="TextBox 29">
@@ -4391,8 +4400,8 @@
           </p:sp>
         </mc:Fallback>
       </mc:AlternateContent>
-      <mc:AlternateContent xmlns:mc="http://schemas.openxmlformats.org/markup-compatibility/2006">
-        <mc:Choice xmlns:a14="http://schemas.microsoft.com/office/drawing/2010/main" Requires="a14">
+      <mc:AlternateContent xmlns:mc="http://schemas.openxmlformats.org/markup-compatibility/2006" xmlns:a14="http://schemas.microsoft.com/office/drawing/2010/main">
+        <mc:Choice Requires="a14">
           <p:sp>
             <p:nvSpPr>
               <p:cNvPr id="31" name="TextBox 30">
@@ -4421,6 +4430,7 @@
               </a:bodyPr>
               <a:lstStyle/>
               <a:p>
+                <a:pPr/>
                 <a14:m>
                   <m:oMathPara xmlns:m="http://schemas.openxmlformats.org/officeDocument/2006/math">
                     <m:oMathParaPr>
@@ -4460,7 +4470,7 @@
             </p:txBody>
           </p:sp>
         </mc:Choice>
-        <mc:Fallback>
+        <mc:Fallback xmlns="">
           <p:sp>
             <p:nvSpPr>
               <p:cNvPr id="31" name="TextBox 30">
@@ -4505,8 +4515,8 @@
           </p:sp>
         </mc:Fallback>
       </mc:AlternateContent>
-      <mc:AlternateContent xmlns:mc="http://schemas.openxmlformats.org/markup-compatibility/2006">
-        <mc:Choice xmlns:a14="http://schemas.microsoft.com/office/drawing/2010/main" Requires="a14">
+      <mc:AlternateContent xmlns:mc="http://schemas.openxmlformats.org/markup-compatibility/2006" xmlns:a14="http://schemas.microsoft.com/office/drawing/2010/main">
+        <mc:Choice Requires="a14">
           <p:sp>
             <p:nvSpPr>
               <p:cNvPr id="32" name="TextBox 31">
@@ -4535,6 +4545,7 @@
               </a:bodyPr>
               <a:lstStyle/>
               <a:p>
+                <a:pPr/>
                 <a14:m>
                   <m:oMathPara xmlns:m="http://schemas.openxmlformats.org/officeDocument/2006/math">
                     <m:oMathParaPr>
@@ -4574,7 +4585,7 @@
             </p:txBody>
           </p:sp>
         </mc:Choice>
-        <mc:Fallback>
+        <mc:Fallback xmlns="">
           <p:sp>
             <p:nvSpPr>
               <p:cNvPr id="32" name="TextBox 31">
@@ -5354,8 +5365,8 @@
           </a:fontRef>
         </p:style>
       </p:cxnSp>
-      <mc:AlternateContent xmlns:mc="http://schemas.openxmlformats.org/markup-compatibility/2006">
-        <mc:Choice xmlns:a14="http://schemas.microsoft.com/office/drawing/2010/main" Requires="a14">
+      <mc:AlternateContent xmlns:mc="http://schemas.openxmlformats.org/markup-compatibility/2006" xmlns:a14="http://schemas.microsoft.com/office/drawing/2010/main">
+        <mc:Choice Requires="a14">
           <p:sp>
             <p:nvSpPr>
               <p:cNvPr id="12" name="TextBox 11">
@@ -5384,6 +5395,7 @@
               </a:bodyPr>
               <a:lstStyle/>
               <a:p>
+                <a:pPr/>
                 <a14:m>
                   <m:oMathPara xmlns:m="http://schemas.openxmlformats.org/officeDocument/2006/math">
                     <m:oMathParaPr>
@@ -5423,7 +5435,7 @@
             </p:txBody>
           </p:sp>
         </mc:Choice>
-        <mc:Fallback>
+        <mc:Fallback xmlns="">
           <p:sp>
             <p:nvSpPr>
               <p:cNvPr id="12" name="TextBox 11">
@@ -5468,8 +5480,8 @@
           </p:sp>
         </mc:Fallback>
       </mc:AlternateContent>
-      <mc:AlternateContent xmlns:mc="http://schemas.openxmlformats.org/markup-compatibility/2006">
-        <mc:Choice xmlns:a14="http://schemas.microsoft.com/office/drawing/2010/main" Requires="a14">
+      <mc:AlternateContent xmlns:mc="http://schemas.openxmlformats.org/markup-compatibility/2006" xmlns:a14="http://schemas.microsoft.com/office/drawing/2010/main">
+        <mc:Choice Requires="a14">
           <p:sp>
             <p:nvSpPr>
               <p:cNvPr id="13" name="TextBox 12">
@@ -5498,6 +5510,7 @@
               </a:bodyPr>
               <a:lstStyle/>
               <a:p>
+                <a:pPr/>
                 <a14:m>
                   <m:oMathPara xmlns:m="http://schemas.openxmlformats.org/officeDocument/2006/math">
                     <m:oMathParaPr>
@@ -5537,7 +5550,7 @@
             </p:txBody>
           </p:sp>
         </mc:Choice>
-        <mc:Fallback>
+        <mc:Fallback xmlns="">
           <p:sp>
             <p:nvSpPr>
               <p:cNvPr id="13" name="TextBox 12">
@@ -5582,8 +5595,8 @@
           </p:sp>
         </mc:Fallback>
       </mc:AlternateContent>
-      <mc:AlternateContent xmlns:mc="http://schemas.openxmlformats.org/markup-compatibility/2006">
-        <mc:Choice xmlns:a14="http://schemas.microsoft.com/office/drawing/2010/main" Requires="a14">
+      <mc:AlternateContent xmlns:mc="http://schemas.openxmlformats.org/markup-compatibility/2006" xmlns:a14="http://schemas.microsoft.com/office/drawing/2010/main">
+        <mc:Choice Requires="a14">
           <p:sp>
             <p:nvSpPr>
               <p:cNvPr id="14" name="TextBox 13">
@@ -5612,6 +5625,7 @@
               </a:bodyPr>
               <a:lstStyle/>
               <a:p>
+                <a:pPr/>
                 <a14:m>
                   <m:oMathPara xmlns:m="http://schemas.openxmlformats.org/officeDocument/2006/math">
                     <m:oMathParaPr>
@@ -5651,7 +5665,7 @@
             </p:txBody>
           </p:sp>
         </mc:Choice>
-        <mc:Fallback>
+        <mc:Fallback xmlns="">
           <p:sp>
             <p:nvSpPr>
               <p:cNvPr id="14" name="TextBox 13">
@@ -5696,8 +5710,8 @@
           </p:sp>
         </mc:Fallback>
       </mc:AlternateContent>
-      <mc:AlternateContent xmlns:mc="http://schemas.openxmlformats.org/markup-compatibility/2006">
-        <mc:Choice xmlns:a14="http://schemas.microsoft.com/office/drawing/2010/main" Requires="a14">
+      <mc:AlternateContent xmlns:mc="http://schemas.openxmlformats.org/markup-compatibility/2006" xmlns:a14="http://schemas.microsoft.com/office/drawing/2010/main">
+        <mc:Choice Requires="a14">
           <p:sp>
             <p:nvSpPr>
               <p:cNvPr id="15" name="TextBox 14">
@@ -5726,6 +5740,7 @@
               </a:bodyPr>
               <a:lstStyle/>
               <a:p>
+                <a:pPr/>
                 <a14:m>
                   <m:oMathPara xmlns:m="http://schemas.openxmlformats.org/officeDocument/2006/math">
                     <m:oMathParaPr>
@@ -5765,7 +5780,7 @@
             </p:txBody>
           </p:sp>
         </mc:Choice>
-        <mc:Fallback>
+        <mc:Fallback xmlns="">
           <p:sp>
             <p:nvSpPr>
               <p:cNvPr id="15" name="TextBox 14">
@@ -5810,8 +5825,8 @@
           </p:sp>
         </mc:Fallback>
       </mc:AlternateContent>
-      <mc:AlternateContent xmlns:mc="http://schemas.openxmlformats.org/markup-compatibility/2006">
-        <mc:Choice xmlns:a14="http://schemas.microsoft.com/office/drawing/2010/main" Requires="a14">
+      <mc:AlternateContent xmlns:mc="http://schemas.openxmlformats.org/markup-compatibility/2006" xmlns:a14="http://schemas.microsoft.com/office/drawing/2010/main">
+        <mc:Choice Requires="a14">
           <p:sp>
             <p:nvSpPr>
               <p:cNvPr id="16" name="TextBox 15">
@@ -5840,6 +5855,7 @@
               </a:bodyPr>
               <a:lstStyle/>
               <a:p>
+                <a:pPr/>
                 <a14:m>
                   <m:oMathPara xmlns:m="http://schemas.openxmlformats.org/officeDocument/2006/math">
                     <m:oMathParaPr>
@@ -5879,7 +5895,7 @@
             </p:txBody>
           </p:sp>
         </mc:Choice>
-        <mc:Fallback>
+        <mc:Fallback xmlns="">
           <p:sp>
             <p:nvSpPr>
               <p:cNvPr id="16" name="TextBox 15">
@@ -5924,8 +5940,8 @@
           </p:sp>
         </mc:Fallback>
       </mc:AlternateContent>
-      <mc:AlternateContent xmlns:mc="http://schemas.openxmlformats.org/markup-compatibility/2006">
-        <mc:Choice xmlns:a14="http://schemas.microsoft.com/office/drawing/2010/main" Requires="a14">
+      <mc:AlternateContent xmlns:mc="http://schemas.openxmlformats.org/markup-compatibility/2006" xmlns:a14="http://schemas.microsoft.com/office/drawing/2010/main">
+        <mc:Choice Requires="a14">
           <p:sp>
             <p:nvSpPr>
               <p:cNvPr id="17" name="TextBox 16">
@@ -5954,6 +5970,7 @@
               </a:bodyPr>
               <a:lstStyle/>
               <a:p>
+                <a:pPr/>
                 <a14:m>
                   <m:oMathPara xmlns:m="http://schemas.openxmlformats.org/officeDocument/2006/math">
                     <m:oMathParaPr>
@@ -5993,7 +6010,7 @@
             </p:txBody>
           </p:sp>
         </mc:Choice>
-        <mc:Fallback>
+        <mc:Fallback xmlns="">
           <p:sp>
             <p:nvSpPr>
               <p:cNvPr id="17" name="TextBox 16">
